--- a/systemdialog.pptx
+++ b/systemdialog.pptx
@@ -10,6 +10,7 @@
   <p:sldIdLst>
     <p:sldId id="256" r:id="rId6"/>
     <p:sldId id="257" r:id="rId7"/>
+    <p:sldId id="258" r:id="rId8"/>
   </p:sldIdLst>
   <p:sldSz cy="5143500" cx="9144000"/>
   <p:notesSz cx="6858000" cy="9144000"/>
@@ -841,6 +842,105 @@
       <p:sp>
         <p:nvSpPr>
           <p:cNvPr id="58" name="Google Shape;58;g74de18e8ae_0_0:notes"/>
+          <p:cNvSpPr txBox="1"/>
+          <p:nvPr>
+            <p:ph idx="1" type="body"/>
+          </p:nvPr>
+        </p:nvSpPr>
+        <p:spPr>
+          <a:xfrm>
+            <a:off x="685800" y="4343400"/>
+            <a:ext cx="5486400" cy="4114800"/>
+          </a:xfrm>
+          <a:prstGeom prst="rect">
+            <a:avLst/>
+          </a:prstGeom>
+        </p:spPr>
+        <p:txBody>
+          <a:bodyPr anchorCtr="0" anchor="t" bIns="91425" lIns="91425" spcFirstLastPara="1" rIns="91425" wrap="square" tIns="91425">
+            <a:noAutofit/>
+          </a:bodyPr>
+          <a:lstStyle/>
+          <a:p>
+            <a:pPr indent="0" lvl="0" marL="0" rtl="0" algn="l">
+              <a:spcBef>
+                <a:spcPts val="0"/>
+              </a:spcBef>
+              <a:spcAft>
+                <a:spcPts val="0"/>
+              </a:spcAft>
+              <a:buNone/>
+            </a:pPr>
+            <a:r>
+              <a:t/>
+            </a:r>
+            <a:endParaRPr/>
+          </a:p>
+        </p:txBody>
+      </p:sp>
+    </p:spTree>
+  </p:cSld>
+  <p:clrMapOvr>
+    <a:masterClrMapping/>
+  </p:clrMapOvr>
+</p:notes>
+</file>
+
+<file path=ppt/notesSlides/notesSlide3.xml><?xml version="1.0" encoding="utf-8"?>
+<p:notes xmlns:a="http://schemas.openxmlformats.org/drawingml/2006/main" xmlns:r="http://schemas.openxmlformats.org/officeDocument/2006/relationships" xmlns:mc="http://schemas.openxmlformats.org/markup-compatibility/2006" xmlns:mv="urn:schemas-microsoft-com:mac:vml" xmlns:p="http://schemas.openxmlformats.org/presentationml/2006/main" xmlns:c="http://schemas.openxmlformats.org/drawingml/2006/chart" xmlns:dgm="http://schemas.openxmlformats.org/drawingml/2006/diagram" xmlns:o="urn:schemas-microsoft-com:office:office" xmlns:v="urn:schemas-microsoft-com:vml" xmlns:pvml="urn:schemas-microsoft-com:office:powerpoint" xmlns:com="http://schemas.openxmlformats.org/drawingml/2006/compatibility" xmlns:p14="http://schemas.microsoft.com/office/powerpoint/2010/main" xmlns:p15="http://schemas.microsoft.com/office/powerpoint/2012/main" showMasterPhAnim="0" showMasterSp="0">
+  <p:cSld>
+    <p:spTree>
+      <p:nvGrpSpPr>
+        <p:cNvPr id="91" name="Shape 91"/>
+        <p:cNvGrpSpPr/>
+        <p:nvPr/>
+      </p:nvGrpSpPr>
+      <p:grpSpPr>
+        <a:xfrm>
+          <a:off x="0" y="0"/>
+          <a:ext cx="0" cy="0"/>
+          <a:chOff x="0" y="0"/>
+          <a:chExt cx="0" cy="0"/>
+        </a:xfrm>
+      </p:grpSpPr>
+      <p:sp>
+        <p:nvSpPr>
+          <p:cNvPr id="92" name="Google Shape;92;g84259007cf_0_0:notes"/>
+          <p:cNvSpPr/>
+          <p:nvPr>
+            <p:ph idx="2" type="sldImg"/>
+          </p:nvPr>
+        </p:nvSpPr>
+        <p:spPr>
+          <a:xfrm>
+            <a:off x="381300" y="685800"/>
+            <a:ext cx="6096000" cy="3429000"/>
+          </a:xfrm>
+          <a:custGeom>
+            <a:rect b="b" l="l" r="r" t="t"/>
+            <a:pathLst>
+              <a:path extrusionOk="0" h="120000" w="120000">
+                <a:moveTo>
+                  <a:pt x="0" y="0"/>
+                </a:moveTo>
+                <a:lnTo>
+                  <a:pt x="120000" y="0"/>
+                </a:lnTo>
+                <a:lnTo>
+                  <a:pt x="120000" y="120000"/>
+                </a:lnTo>
+                <a:lnTo>
+                  <a:pt x="0" y="120000"/>
+                </a:lnTo>
+                <a:close/>
+              </a:path>
+            </a:pathLst>
+          </a:custGeom>
+        </p:spPr>
+      </p:sp>
+      <p:sp>
+        <p:nvSpPr>
+          <p:cNvPr id="93" name="Google Shape;93;g84259007cf_0_0:notes"/>
           <p:cNvSpPr txBox="1"/>
           <p:nvPr>
             <p:ph idx="1" type="body"/>
@@ -7025,6 +7125,1242 @@
 </p:sld>
 </file>
 
+<file path=ppt/slides/slide3.xml><?xml version="1.0" encoding="utf-8"?>
+<p:sld xmlns:a="http://schemas.openxmlformats.org/drawingml/2006/main" xmlns:r="http://schemas.openxmlformats.org/officeDocument/2006/relationships" xmlns:mc="http://schemas.openxmlformats.org/markup-compatibility/2006" xmlns:mv="urn:schemas-microsoft-com:mac:vml" xmlns:p="http://schemas.openxmlformats.org/presentationml/2006/main" xmlns:c="http://schemas.openxmlformats.org/drawingml/2006/chart" xmlns:dgm="http://schemas.openxmlformats.org/drawingml/2006/diagram" xmlns:o="urn:schemas-microsoft-com:office:office" xmlns:v="urn:schemas-microsoft-com:vml" xmlns:pvml="urn:schemas-microsoft-com:office:powerpoint" xmlns:com="http://schemas.openxmlformats.org/drawingml/2006/compatibility" xmlns:p14="http://schemas.microsoft.com/office/powerpoint/2010/main" xmlns:p15="http://schemas.microsoft.com/office/powerpoint/2012/main">
+  <p:cSld>
+    <p:spTree>
+      <p:nvGrpSpPr>
+        <p:cNvPr id="94" name="Shape 94"/>
+        <p:cNvGrpSpPr/>
+        <p:nvPr/>
+      </p:nvGrpSpPr>
+      <p:grpSpPr>
+        <a:xfrm>
+          <a:off x="0" y="0"/>
+          <a:ext cx="0" cy="0"/>
+          <a:chOff x="0" y="0"/>
+          <a:chExt cx="0" cy="0"/>
+        </a:xfrm>
+      </p:grpSpPr>
+      <p:cxnSp>
+        <p:nvCxnSpPr>
+          <p:cNvPr id="95" name="Google Shape;95;p15"/>
+          <p:cNvCxnSpPr>
+            <a:stCxn id="96" idx="2"/>
+            <a:endCxn id="97" idx="0"/>
+          </p:cNvCxnSpPr>
+          <p:nvPr/>
+        </p:nvCxnSpPr>
+        <p:spPr>
+          <a:xfrm>
+            <a:off x="1204013" y="3588975"/>
+            <a:ext cx="0" cy="989400"/>
+          </a:xfrm>
+          <a:prstGeom prst="straightConnector1">
+            <a:avLst/>
+          </a:prstGeom>
+          <a:noFill/>
+          <a:ln cap="flat" cmpd="sng" w="9525">
+            <a:solidFill>
+              <a:schemeClr val="dk2"/>
+            </a:solidFill>
+            <a:prstDash val="solid"/>
+            <a:round/>
+            <a:headEnd len="med" w="med" type="none"/>
+            <a:tailEnd len="med" w="med" type="stealth"/>
+          </a:ln>
+        </p:spPr>
+      </p:cxnSp>
+      <p:cxnSp>
+        <p:nvCxnSpPr>
+          <p:cNvPr id="98" name="Google Shape;98;p15"/>
+          <p:cNvCxnSpPr>
+            <a:stCxn id="99" idx="6"/>
+            <a:endCxn id="100" idx="2"/>
+          </p:cNvCxnSpPr>
+          <p:nvPr/>
+        </p:nvCxnSpPr>
+        <p:spPr>
+          <a:xfrm>
+            <a:off x="463500" y="1586925"/>
+            <a:ext cx="5175000" cy="0"/>
+          </a:xfrm>
+          <a:prstGeom prst="straightConnector1">
+            <a:avLst/>
+          </a:prstGeom>
+          <a:noFill/>
+          <a:ln cap="flat" cmpd="sng" w="9525">
+            <a:solidFill>
+              <a:schemeClr val="dk2"/>
+            </a:solidFill>
+            <a:prstDash val="solid"/>
+            <a:round/>
+            <a:headEnd len="med" w="med" type="none"/>
+            <a:tailEnd len="med" w="med" type="stealth"/>
+          </a:ln>
+        </p:spPr>
+      </p:cxnSp>
+      <p:sp>
+        <p:nvSpPr>
+          <p:cNvPr id="101" name="Google Shape;101;p15"/>
+          <p:cNvSpPr txBox="1"/>
+          <p:nvPr>
+            <p:ph type="title"/>
+          </p:nvPr>
+        </p:nvSpPr>
+        <p:spPr>
+          <a:xfrm>
+            <a:off x="311700" y="445025"/>
+            <a:ext cx="8520600" cy="572700"/>
+          </a:xfrm>
+          <a:prstGeom prst="rect">
+            <a:avLst/>
+          </a:prstGeom>
+        </p:spPr>
+        <p:txBody>
+          <a:bodyPr anchorCtr="0" anchor="t" bIns="91425" lIns="91425" spcFirstLastPara="1" rIns="91425" wrap="square" tIns="91425">
+            <a:noAutofit/>
+          </a:bodyPr>
+          <a:lstStyle/>
+          <a:p>
+            <a:pPr indent="0" lvl="0" marL="0" rtl="0" algn="l">
+              <a:spcBef>
+                <a:spcPts val="0"/>
+              </a:spcBef>
+              <a:spcAft>
+                <a:spcPts val="0"/>
+              </a:spcAft>
+              <a:buNone/>
+            </a:pPr>
+            <a:r>
+              <a:rPr lang="ja" sz="2300"/>
+              <a:t>アクティビティ</a:t>
+            </a:r>
+            <a:endParaRPr sz="2300"/>
+          </a:p>
+        </p:txBody>
+      </p:sp>
+      <p:sp>
+        <p:nvSpPr>
+          <p:cNvPr id="99" name="Google Shape;99;p15"/>
+          <p:cNvSpPr/>
+          <p:nvPr/>
+        </p:nvSpPr>
+        <p:spPr>
+          <a:xfrm>
+            <a:off x="311700" y="1511025"/>
+            <a:ext cx="151800" cy="151800"/>
+          </a:xfrm>
+          <a:prstGeom prst="flowChartConnector">
+            <a:avLst/>
+          </a:prstGeom>
+          <a:solidFill>
+            <a:srgbClr val="000000"/>
+          </a:solidFill>
+          <a:ln cap="flat" cmpd="sng" w="9525">
+            <a:solidFill>
+              <a:schemeClr val="dk2"/>
+            </a:solidFill>
+            <a:prstDash val="solid"/>
+            <a:round/>
+            <a:headEnd len="sm" w="sm" type="none"/>
+            <a:tailEnd len="sm" w="sm" type="none"/>
+          </a:ln>
+        </p:spPr>
+        <p:txBody>
+          <a:bodyPr anchorCtr="0" anchor="ctr" bIns="91425" lIns="91425" spcFirstLastPara="1" rIns="91425" wrap="square" tIns="91425">
+            <a:noAutofit/>
+          </a:bodyPr>
+          <a:lstStyle/>
+          <a:p>
+            <a:pPr indent="0" lvl="0" marL="0" rtl="0" algn="l">
+              <a:spcBef>
+                <a:spcPts val="0"/>
+              </a:spcBef>
+              <a:spcAft>
+                <a:spcPts val="0"/>
+              </a:spcAft>
+              <a:buNone/>
+            </a:pPr>
+            <a:r>
+              <a:t/>
+            </a:r>
+            <a:endParaRPr/>
+          </a:p>
+        </p:txBody>
+      </p:sp>
+      <p:sp>
+        <p:nvSpPr>
+          <p:cNvPr id="102" name="Google Shape;102;p15"/>
+          <p:cNvSpPr/>
+          <p:nvPr/>
+        </p:nvSpPr>
+        <p:spPr>
+          <a:xfrm>
+            <a:off x="700625" y="1420875"/>
+            <a:ext cx="929700" cy="332100"/>
+          </a:xfrm>
+          <a:prstGeom prst="roundRect">
+            <a:avLst>
+              <a:gd fmla="val 16667" name="adj"/>
+            </a:avLst>
+          </a:prstGeom>
+          <a:solidFill>
+            <a:schemeClr val="lt2"/>
+          </a:solidFill>
+          <a:ln cap="flat" cmpd="sng" w="9525">
+            <a:solidFill>
+              <a:schemeClr val="dk2"/>
+            </a:solidFill>
+            <a:prstDash val="solid"/>
+            <a:round/>
+            <a:headEnd len="sm" w="sm" type="none"/>
+            <a:tailEnd len="sm" w="sm" type="none"/>
+          </a:ln>
+        </p:spPr>
+        <p:txBody>
+          <a:bodyPr anchorCtr="0" anchor="ctr" bIns="91425" lIns="91425" spcFirstLastPara="1" rIns="91425" wrap="square" tIns="91425">
+            <a:noAutofit/>
+          </a:bodyPr>
+          <a:lstStyle/>
+          <a:p>
+            <a:pPr indent="0" lvl="0" marL="0" rtl="0" algn="ctr">
+              <a:spcBef>
+                <a:spcPts val="0"/>
+              </a:spcBef>
+              <a:spcAft>
+                <a:spcPts val="0"/>
+              </a:spcAft>
+              <a:buNone/>
+            </a:pPr>
+            <a:r>
+              <a:rPr lang="ja" sz="800"/>
+              <a:t>キャッシュ読込</a:t>
+            </a:r>
+            <a:endParaRPr sz="800"/>
+          </a:p>
+        </p:txBody>
+      </p:sp>
+      <p:sp>
+        <p:nvSpPr>
+          <p:cNvPr id="103" name="Google Shape;103;p15"/>
+          <p:cNvSpPr/>
+          <p:nvPr/>
+        </p:nvSpPr>
+        <p:spPr>
+          <a:xfrm>
+            <a:off x="1934375" y="1420875"/>
+            <a:ext cx="929700" cy="332100"/>
+          </a:xfrm>
+          <a:prstGeom prst="roundRect">
+            <a:avLst>
+              <a:gd fmla="val 16667" name="adj"/>
+            </a:avLst>
+          </a:prstGeom>
+          <a:solidFill>
+            <a:schemeClr val="lt2"/>
+          </a:solidFill>
+          <a:ln cap="flat" cmpd="sng" w="9525">
+            <a:solidFill>
+              <a:schemeClr val="dk2"/>
+            </a:solidFill>
+            <a:prstDash val="solid"/>
+            <a:round/>
+            <a:headEnd len="sm" w="sm" type="none"/>
+            <a:tailEnd len="sm" w="sm" type="none"/>
+          </a:ln>
+        </p:spPr>
+        <p:txBody>
+          <a:bodyPr anchorCtr="0" anchor="ctr" bIns="91425" lIns="91425" spcFirstLastPara="1" rIns="91425" wrap="square" tIns="91425">
+            <a:noAutofit/>
+          </a:bodyPr>
+          <a:lstStyle/>
+          <a:p>
+            <a:pPr indent="0" lvl="0" marL="0" rtl="0" algn="ctr">
+              <a:spcBef>
+                <a:spcPts val="0"/>
+              </a:spcBef>
+              <a:spcAft>
+                <a:spcPts val="0"/>
+              </a:spcAft>
+              <a:buNone/>
+            </a:pPr>
+            <a:r>
+              <a:rPr lang="ja" sz="800"/>
+              <a:t>住所リスト</a:t>
+            </a:r>
+            <a:r>
+              <a:rPr lang="ja" sz="800"/>
+              <a:t>読込</a:t>
+            </a:r>
+            <a:endParaRPr sz="800"/>
+          </a:p>
+        </p:txBody>
+      </p:sp>
+      <p:sp>
+        <p:nvSpPr>
+          <p:cNvPr id="104" name="Google Shape;104;p15"/>
+          <p:cNvSpPr/>
+          <p:nvPr/>
+        </p:nvSpPr>
+        <p:spPr>
+          <a:xfrm>
+            <a:off x="3168125" y="1420875"/>
+            <a:ext cx="929700" cy="332100"/>
+          </a:xfrm>
+          <a:prstGeom prst="roundRect">
+            <a:avLst>
+              <a:gd fmla="val 16667" name="adj"/>
+            </a:avLst>
+          </a:prstGeom>
+          <a:solidFill>
+            <a:schemeClr val="lt2"/>
+          </a:solidFill>
+          <a:ln cap="flat" cmpd="sng" w="9525">
+            <a:solidFill>
+              <a:schemeClr val="dk2"/>
+            </a:solidFill>
+            <a:prstDash val="solid"/>
+            <a:round/>
+            <a:headEnd len="sm" w="sm" type="none"/>
+            <a:tailEnd len="sm" w="sm" type="none"/>
+          </a:ln>
+        </p:spPr>
+        <p:txBody>
+          <a:bodyPr anchorCtr="0" anchor="ctr" bIns="91425" lIns="91425" spcFirstLastPara="1" rIns="91425" wrap="square" tIns="91425">
+            <a:noAutofit/>
+          </a:bodyPr>
+          <a:lstStyle/>
+          <a:p>
+            <a:pPr indent="0" lvl="0" marL="0" rtl="0" algn="ctr">
+              <a:spcBef>
+                <a:spcPts val="0"/>
+              </a:spcBef>
+              <a:spcAft>
+                <a:spcPts val="0"/>
+              </a:spcAft>
+              <a:buNone/>
+            </a:pPr>
+            <a:r>
+              <a:rPr lang="ja" sz="800"/>
+              <a:t>緯度経度</a:t>
+            </a:r>
+            <a:r>
+              <a:rPr lang="ja" sz="800"/>
+              <a:t>取得</a:t>
+            </a:r>
+            <a:endParaRPr sz="800"/>
+          </a:p>
+        </p:txBody>
+      </p:sp>
+      <p:sp>
+        <p:nvSpPr>
+          <p:cNvPr id="105" name="Google Shape;105;p15"/>
+          <p:cNvSpPr/>
+          <p:nvPr/>
+        </p:nvSpPr>
+        <p:spPr>
+          <a:xfrm>
+            <a:off x="4334950" y="1420875"/>
+            <a:ext cx="929700" cy="332100"/>
+          </a:xfrm>
+          <a:prstGeom prst="roundRect">
+            <a:avLst>
+              <a:gd fmla="val 16667" name="adj"/>
+            </a:avLst>
+          </a:prstGeom>
+          <a:solidFill>
+            <a:schemeClr val="lt2"/>
+          </a:solidFill>
+          <a:ln cap="flat" cmpd="sng" w="9525">
+            <a:solidFill>
+              <a:schemeClr val="dk2"/>
+            </a:solidFill>
+            <a:prstDash val="solid"/>
+            <a:round/>
+            <a:headEnd len="sm" w="sm" type="none"/>
+            <a:tailEnd len="sm" w="sm" type="none"/>
+          </a:ln>
+        </p:spPr>
+        <p:txBody>
+          <a:bodyPr anchorCtr="0" anchor="ctr" bIns="91425" lIns="91425" spcFirstLastPara="1" rIns="91425" wrap="square" tIns="91425">
+            <a:noAutofit/>
+          </a:bodyPr>
+          <a:lstStyle/>
+          <a:p>
+            <a:pPr indent="0" lvl="0" marL="0" rtl="0" algn="ctr">
+              <a:spcBef>
+                <a:spcPts val="0"/>
+              </a:spcBef>
+              <a:spcAft>
+                <a:spcPts val="0"/>
+              </a:spcAft>
+              <a:buNone/>
+            </a:pPr>
+            <a:r>
+              <a:rPr lang="ja" sz="800"/>
+              <a:t>結果出力</a:t>
+            </a:r>
+            <a:endParaRPr sz="800"/>
+          </a:p>
+        </p:txBody>
+      </p:sp>
+      <p:sp>
+        <p:nvSpPr>
+          <p:cNvPr id="106" name="Google Shape;106;p15"/>
+          <p:cNvSpPr/>
+          <p:nvPr/>
+        </p:nvSpPr>
+        <p:spPr>
+          <a:xfrm>
+            <a:off x="5681100" y="1511025"/>
+            <a:ext cx="151800" cy="151800"/>
+          </a:xfrm>
+          <a:prstGeom prst="flowChartConnector">
+            <a:avLst/>
+          </a:prstGeom>
+          <a:solidFill>
+            <a:srgbClr val="000000"/>
+          </a:solidFill>
+          <a:ln cap="flat" cmpd="sng" w="9525">
+            <a:solidFill>
+              <a:schemeClr val="dk2"/>
+            </a:solidFill>
+            <a:prstDash val="solid"/>
+            <a:round/>
+            <a:headEnd len="sm" w="sm" type="none"/>
+            <a:tailEnd len="sm" w="sm" type="none"/>
+          </a:ln>
+        </p:spPr>
+        <p:txBody>
+          <a:bodyPr anchorCtr="0" anchor="ctr" bIns="91425" lIns="91425" spcFirstLastPara="1" rIns="91425" wrap="square" tIns="91425">
+            <a:noAutofit/>
+          </a:bodyPr>
+          <a:lstStyle/>
+          <a:p>
+            <a:pPr indent="0" lvl="0" marL="0" rtl="0" algn="l">
+              <a:spcBef>
+                <a:spcPts val="0"/>
+              </a:spcBef>
+              <a:spcAft>
+                <a:spcPts val="0"/>
+              </a:spcAft>
+              <a:buNone/>
+            </a:pPr>
+            <a:r>
+              <a:t/>
+            </a:r>
+            <a:endParaRPr/>
+          </a:p>
+        </p:txBody>
+      </p:sp>
+      <p:sp>
+        <p:nvSpPr>
+          <p:cNvPr id="100" name="Google Shape;100;p15"/>
+          <p:cNvSpPr/>
+          <p:nvPr/>
+        </p:nvSpPr>
+        <p:spPr>
+          <a:xfrm>
+            <a:off x="5638500" y="1463625"/>
+            <a:ext cx="237000" cy="246600"/>
+          </a:xfrm>
+          <a:prstGeom prst="ellipse">
+            <a:avLst/>
+          </a:prstGeom>
+          <a:noFill/>
+          <a:ln cap="flat" cmpd="sng" w="9525">
+            <a:solidFill>
+              <a:schemeClr val="dk2"/>
+            </a:solidFill>
+            <a:prstDash val="solid"/>
+            <a:round/>
+            <a:headEnd len="sm" w="sm" type="none"/>
+            <a:tailEnd len="sm" w="sm" type="none"/>
+          </a:ln>
+        </p:spPr>
+        <p:txBody>
+          <a:bodyPr anchorCtr="0" anchor="ctr" bIns="91425" lIns="91425" spcFirstLastPara="1" rIns="91425" wrap="square" tIns="91425">
+            <a:noAutofit/>
+          </a:bodyPr>
+          <a:lstStyle/>
+          <a:p>
+            <a:pPr indent="0" lvl="0" marL="0" rtl="0" algn="l">
+              <a:spcBef>
+                <a:spcPts val="0"/>
+              </a:spcBef>
+              <a:spcAft>
+                <a:spcPts val="0"/>
+              </a:spcAft>
+              <a:buNone/>
+            </a:pPr>
+            <a:r>
+              <a:t/>
+            </a:r>
+            <a:endParaRPr/>
+          </a:p>
+        </p:txBody>
+      </p:sp>
+      <p:sp>
+        <p:nvSpPr>
+          <p:cNvPr id="107" name="Google Shape;107;p15"/>
+          <p:cNvSpPr/>
+          <p:nvPr/>
+        </p:nvSpPr>
+        <p:spPr>
+          <a:xfrm>
+            <a:off x="385400" y="1095700"/>
+            <a:ext cx="761700" cy="247200"/>
+          </a:xfrm>
+          <a:prstGeom prst="rect">
+            <a:avLst/>
+          </a:prstGeom>
+          <a:solidFill>
+            <a:srgbClr val="FFF2CC"/>
+          </a:solidFill>
+          <a:ln>
+            <a:noFill/>
+          </a:ln>
+        </p:spPr>
+        <p:txBody>
+          <a:bodyPr anchorCtr="0" anchor="ctr" bIns="91425" lIns="91425" spcFirstLastPara="1" rIns="91425" wrap="square" tIns="91425">
+            <a:noAutofit/>
+          </a:bodyPr>
+          <a:lstStyle/>
+          <a:p>
+            <a:pPr indent="0" lvl="0" marL="0" rtl="0" algn="l">
+              <a:spcBef>
+                <a:spcPts val="0"/>
+              </a:spcBef>
+              <a:spcAft>
+                <a:spcPts val="0"/>
+              </a:spcAft>
+              <a:buNone/>
+            </a:pPr>
+            <a:r>
+              <a:rPr lang="ja" sz="1000"/>
+              <a:t>メイン</a:t>
+            </a:r>
+            <a:endParaRPr sz="1000"/>
+          </a:p>
+        </p:txBody>
+      </p:sp>
+      <p:sp>
+        <p:nvSpPr>
+          <p:cNvPr id="108" name="Google Shape;108;p15"/>
+          <p:cNvSpPr/>
+          <p:nvPr/>
+        </p:nvSpPr>
+        <p:spPr>
+          <a:xfrm>
+            <a:off x="385400" y="2628650"/>
+            <a:ext cx="1039200" cy="247200"/>
+          </a:xfrm>
+          <a:prstGeom prst="rect">
+            <a:avLst/>
+          </a:prstGeom>
+          <a:solidFill>
+            <a:srgbClr val="FFF2CC"/>
+          </a:solidFill>
+          <a:ln>
+            <a:noFill/>
+          </a:ln>
+        </p:spPr>
+        <p:txBody>
+          <a:bodyPr anchorCtr="0" anchor="ctr" bIns="91425" lIns="91425" spcFirstLastPara="1" rIns="91425" wrap="square" tIns="91425">
+            <a:noAutofit/>
+          </a:bodyPr>
+          <a:lstStyle/>
+          <a:p>
+            <a:pPr indent="0" lvl="0" marL="0" rtl="0" algn="l">
+              <a:spcBef>
+                <a:spcPts val="0"/>
+              </a:spcBef>
+              <a:spcAft>
+                <a:spcPts val="0"/>
+              </a:spcAft>
+              <a:buNone/>
+            </a:pPr>
+            <a:r>
+              <a:rPr lang="ja" sz="1000"/>
+              <a:t>緯度経度取得</a:t>
+            </a:r>
+            <a:endParaRPr sz="1000"/>
+          </a:p>
+        </p:txBody>
+      </p:sp>
+      <p:cxnSp>
+        <p:nvCxnSpPr>
+          <p:cNvPr id="109" name="Google Shape;109;p15"/>
+          <p:cNvCxnSpPr>
+            <a:stCxn id="110" idx="6"/>
+            <a:endCxn id="111" idx="2"/>
+          </p:cNvCxnSpPr>
+          <p:nvPr/>
+        </p:nvCxnSpPr>
+        <p:spPr>
+          <a:xfrm>
+            <a:off x="537200" y="3465675"/>
+            <a:ext cx="5175000" cy="0"/>
+          </a:xfrm>
+          <a:prstGeom prst="straightConnector1">
+            <a:avLst/>
+          </a:prstGeom>
+          <a:noFill/>
+          <a:ln cap="flat" cmpd="sng" w="9525">
+            <a:solidFill>
+              <a:schemeClr val="dk2"/>
+            </a:solidFill>
+            <a:prstDash val="solid"/>
+            <a:round/>
+            <a:headEnd len="med" w="med" type="none"/>
+            <a:tailEnd len="med" w="med" type="stealth"/>
+          </a:ln>
+        </p:spPr>
+      </p:cxnSp>
+      <p:sp>
+        <p:nvSpPr>
+          <p:cNvPr id="110" name="Google Shape;110;p15"/>
+          <p:cNvSpPr/>
+          <p:nvPr/>
+        </p:nvSpPr>
+        <p:spPr>
+          <a:xfrm>
+            <a:off x="385400" y="3389775"/>
+            <a:ext cx="151800" cy="151800"/>
+          </a:xfrm>
+          <a:prstGeom prst="flowChartConnector">
+            <a:avLst/>
+          </a:prstGeom>
+          <a:solidFill>
+            <a:srgbClr val="000000"/>
+          </a:solidFill>
+          <a:ln cap="flat" cmpd="sng" w="9525">
+            <a:solidFill>
+              <a:schemeClr val="dk2"/>
+            </a:solidFill>
+            <a:prstDash val="solid"/>
+            <a:round/>
+            <a:headEnd len="sm" w="sm" type="none"/>
+            <a:tailEnd len="sm" w="sm" type="none"/>
+          </a:ln>
+        </p:spPr>
+        <p:txBody>
+          <a:bodyPr anchorCtr="0" anchor="ctr" bIns="91425" lIns="91425" spcFirstLastPara="1" rIns="91425" wrap="square" tIns="91425">
+            <a:noAutofit/>
+          </a:bodyPr>
+          <a:lstStyle/>
+          <a:p>
+            <a:pPr indent="0" lvl="0" marL="0" rtl="0" algn="l">
+              <a:spcBef>
+                <a:spcPts val="0"/>
+              </a:spcBef>
+              <a:spcAft>
+                <a:spcPts val="0"/>
+              </a:spcAft>
+              <a:buNone/>
+            </a:pPr>
+            <a:r>
+              <a:t/>
+            </a:r>
+            <a:endParaRPr/>
+          </a:p>
+        </p:txBody>
+      </p:sp>
+      <p:sp>
+        <p:nvSpPr>
+          <p:cNvPr id="112" name="Google Shape;112;p15"/>
+          <p:cNvSpPr/>
+          <p:nvPr/>
+        </p:nvSpPr>
+        <p:spPr>
+          <a:xfrm>
+            <a:off x="2008075" y="3299625"/>
+            <a:ext cx="929700" cy="332100"/>
+          </a:xfrm>
+          <a:prstGeom prst="roundRect">
+            <a:avLst>
+              <a:gd fmla="val 16667" name="adj"/>
+            </a:avLst>
+          </a:prstGeom>
+          <a:solidFill>
+            <a:schemeClr val="lt2"/>
+          </a:solidFill>
+          <a:ln cap="flat" cmpd="sng" w="9525">
+            <a:solidFill>
+              <a:schemeClr val="dk2"/>
+            </a:solidFill>
+            <a:prstDash val="solid"/>
+            <a:round/>
+            <a:headEnd len="sm" w="sm" type="none"/>
+            <a:tailEnd len="sm" w="sm" type="none"/>
+          </a:ln>
+        </p:spPr>
+        <p:txBody>
+          <a:bodyPr anchorCtr="0" anchor="ctr" bIns="91425" lIns="91425" spcFirstLastPara="1" rIns="91425" wrap="square" tIns="91425">
+            <a:noAutofit/>
+          </a:bodyPr>
+          <a:lstStyle/>
+          <a:p>
+            <a:pPr indent="0" lvl="0" marL="0" rtl="0" algn="ctr">
+              <a:spcBef>
+                <a:spcPts val="0"/>
+              </a:spcBef>
+              <a:spcAft>
+                <a:spcPts val="0"/>
+              </a:spcAft>
+              <a:buNone/>
+            </a:pPr>
+            <a:r>
+              <a:rPr lang="ja" sz="800"/>
+              <a:t>API実行</a:t>
+            </a:r>
+            <a:endParaRPr sz="800"/>
+          </a:p>
+        </p:txBody>
+      </p:sp>
+      <p:sp>
+        <p:nvSpPr>
+          <p:cNvPr id="113" name="Google Shape;113;p15"/>
+          <p:cNvSpPr/>
+          <p:nvPr/>
+        </p:nvSpPr>
+        <p:spPr>
+          <a:xfrm>
+            <a:off x="3241825" y="3299625"/>
+            <a:ext cx="929700" cy="332100"/>
+          </a:xfrm>
+          <a:prstGeom prst="roundRect">
+            <a:avLst>
+              <a:gd fmla="val 16667" name="adj"/>
+            </a:avLst>
+          </a:prstGeom>
+          <a:solidFill>
+            <a:schemeClr val="lt2"/>
+          </a:solidFill>
+          <a:ln cap="flat" cmpd="sng" w="9525">
+            <a:solidFill>
+              <a:schemeClr val="dk2"/>
+            </a:solidFill>
+            <a:prstDash val="solid"/>
+            <a:round/>
+            <a:headEnd len="sm" w="sm" type="none"/>
+            <a:tailEnd len="sm" w="sm" type="none"/>
+          </a:ln>
+        </p:spPr>
+        <p:txBody>
+          <a:bodyPr anchorCtr="0" anchor="ctr" bIns="91425" lIns="91425" spcFirstLastPara="1" rIns="91425" wrap="square" tIns="91425">
+            <a:noAutofit/>
+          </a:bodyPr>
+          <a:lstStyle/>
+          <a:p>
+            <a:pPr indent="0" lvl="0" marL="0" rtl="0" algn="ctr">
+              <a:spcBef>
+                <a:spcPts val="0"/>
+              </a:spcBef>
+              <a:spcAft>
+                <a:spcPts val="0"/>
+              </a:spcAft>
+              <a:buNone/>
+            </a:pPr>
+            <a:r>
+              <a:rPr lang="ja" sz="800"/>
+              <a:t>緯度経度取得</a:t>
+            </a:r>
+            <a:endParaRPr sz="800"/>
+          </a:p>
+        </p:txBody>
+      </p:sp>
+      <p:sp>
+        <p:nvSpPr>
+          <p:cNvPr id="114" name="Google Shape;114;p15"/>
+          <p:cNvSpPr/>
+          <p:nvPr/>
+        </p:nvSpPr>
+        <p:spPr>
+          <a:xfrm>
+            <a:off x="4408650" y="3299625"/>
+            <a:ext cx="929700" cy="332100"/>
+          </a:xfrm>
+          <a:prstGeom prst="roundRect">
+            <a:avLst>
+              <a:gd fmla="val 16667" name="adj"/>
+            </a:avLst>
+          </a:prstGeom>
+          <a:solidFill>
+            <a:schemeClr val="lt2"/>
+          </a:solidFill>
+          <a:ln cap="flat" cmpd="sng" w="9525">
+            <a:solidFill>
+              <a:schemeClr val="dk2"/>
+            </a:solidFill>
+            <a:prstDash val="solid"/>
+            <a:round/>
+            <a:headEnd len="sm" w="sm" type="none"/>
+            <a:tailEnd len="sm" w="sm" type="none"/>
+          </a:ln>
+        </p:spPr>
+        <p:txBody>
+          <a:bodyPr anchorCtr="0" anchor="ctr" bIns="91425" lIns="91425" spcFirstLastPara="1" rIns="91425" wrap="square" tIns="91425">
+            <a:noAutofit/>
+          </a:bodyPr>
+          <a:lstStyle/>
+          <a:p>
+            <a:pPr indent="0" lvl="0" marL="0" rtl="0" algn="l">
+              <a:spcBef>
+                <a:spcPts val="0"/>
+              </a:spcBef>
+              <a:spcAft>
+                <a:spcPts val="0"/>
+              </a:spcAft>
+              <a:buNone/>
+            </a:pPr>
+            <a:r>
+              <a:rPr lang="ja" sz="800"/>
+              <a:t>キャッシュ書込</a:t>
+            </a:r>
+            <a:endParaRPr sz="800"/>
+          </a:p>
+        </p:txBody>
+      </p:sp>
+      <p:sp>
+        <p:nvSpPr>
+          <p:cNvPr id="115" name="Google Shape;115;p15"/>
+          <p:cNvSpPr/>
+          <p:nvPr/>
+        </p:nvSpPr>
+        <p:spPr>
+          <a:xfrm>
+            <a:off x="5754800" y="3389775"/>
+            <a:ext cx="151800" cy="151800"/>
+          </a:xfrm>
+          <a:prstGeom prst="flowChartConnector">
+            <a:avLst/>
+          </a:prstGeom>
+          <a:solidFill>
+            <a:srgbClr val="000000"/>
+          </a:solidFill>
+          <a:ln cap="flat" cmpd="sng" w="9525">
+            <a:solidFill>
+              <a:schemeClr val="dk2"/>
+            </a:solidFill>
+            <a:prstDash val="solid"/>
+            <a:round/>
+            <a:headEnd len="sm" w="sm" type="none"/>
+            <a:tailEnd len="sm" w="sm" type="none"/>
+          </a:ln>
+        </p:spPr>
+        <p:txBody>
+          <a:bodyPr anchorCtr="0" anchor="ctr" bIns="91425" lIns="91425" spcFirstLastPara="1" rIns="91425" wrap="square" tIns="91425">
+            <a:noAutofit/>
+          </a:bodyPr>
+          <a:lstStyle/>
+          <a:p>
+            <a:pPr indent="0" lvl="0" marL="0" rtl="0" algn="l">
+              <a:spcBef>
+                <a:spcPts val="0"/>
+              </a:spcBef>
+              <a:spcAft>
+                <a:spcPts val="0"/>
+              </a:spcAft>
+              <a:buNone/>
+            </a:pPr>
+            <a:r>
+              <a:t/>
+            </a:r>
+            <a:endParaRPr/>
+          </a:p>
+        </p:txBody>
+      </p:sp>
+      <p:sp>
+        <p:nvSpPr>
+          <p:cNvPr id="111" name="Google Shape;111;p15"/>
+          <p:cNvSpPr/>
+          <p:nvPr/>
+        </p:nvSpPr>
+        <p:spPr>
+          <a:xfrm>
+            <a:off x="5712200" y="3342375"/>
+            <a:ext cx="237000" cy="246600"/>
+          </a:xfrm>
+          <a:prstGeom prst="ellipse">
+            <a:avLst/>
+          </a:prstGeom>
+          <a:noFill/>
+          <a:ln cap="flat" cmpd="sng" w="9525">
+            <a:solidFill>
+              <a:schemeClr val="dk2"/>
+            </a:solidFill>
+            <a:prstDash val="solid"/>
+            <a:round/>
+            <a:headEnd len="sm" w="sm" type="none"/>
+            <a:tailEnd len="sm" w="sm" type="none"/>
+          </a:ln>
+        </p:spPr>
+        <p:txBody>
+          <a:bodyPr anchorCtr="0" anchor="ctr" bIns="91425" lIns="91425" spcFirstLastPara="1" rIns="91425" wrap="square" tIns="91425">
+            <a:noAutofit/>
+          </a:bodyPr>
+          <a:lstStyle/>
+          <a:p>
+            <a:pPr indent="0" lvl="0" marL="0" rtl="0" algn="l">
+              <a:spcBef>
+                <a:spcPts val="0"/>
+              </a:spcBef>
+              <a:spcAft>
+                <a:spcPts val="0"/>
+              </a:spcAft>
+              <a:buNone/>
+            </a:pPr>
+            <a:r>
+              <a:t/>
+            </a:r>
+            <a:endParaRPr/>
+          </a:p>
+        </p:txBody>
+      </p:sp>
+      <p:sp>
+        <p:nvSpPr>
+          <p:cNvPr id="96" name="Google Shape;96;p15"/>
+          <p:cNvSpPr/>
+          <p:nvPr/>
+        </p:nvSpPr>
+        <p:spPr>
+          <a:xfrm>
+            <a:off x="1028525" y="3342375"/>
+            <a:ext cx="350975" cy="246600"/>
+          </a:xfrm>
+          <a:prstGeom prst="flowChartDecision">
+            <a:avLst/>
+          </a:prstGeom>
+          <a:solidFill>
+            <a:schemeClr val="lt2"/>
+          </a:solidFill>
+          <a:ln cap="flat" cmpd="sng" w="9525">
+            <a:solidFill>
+              <a:schemeClr val="dk2"/>
+            </a:solidFill>
+            <a:prstDash val="solid"/>
+            <a:round/>
+            <a:headEnd len="sm" w="sm" type="none"/>
+            <a:tailEnd len="sm" w="sm" type="none"/>
+          </a:ln>
+        </p:spPr>
+        <p:txBody>
+          <a:bodyPr anchorCtr="0" anchor="ctr" bIns="91425" lIns="91425" spcFirstLastPara="1" rIns="91425" wrap="square" tIns="91425">
+            <a:noAutofit/>
+          </a:bodyPr>
+          <a:lstStyle/>
+          <a:p>
+            <a:pPr indent="0" lvl="0" marL="0" rtl="0" algn="l">
+              <a:spcBef>
+                <a:spcPts val="0"/>
+              </a:spcBef>
+              <a:spcAft>
+                <a:spcPts val="0"/>
+              </a:spcAft>
+              <a:buNone/>
+            </a:pPr>
+            <a:r>
+              <a:t/>
+            </a:r>
+            <a:endParaRPr/>
+          </a:p>
+        </p:txBody>
+      </p:sp>
+      <p:sp>
+        <p:nvSpPr>
+          <p:cNvPr id="116" name="Google Shape;116;p15"/>
+          <p:cNvSpPr/>
+          <p:nvPr/>
+        </p:nvSpPr>
+        <p:spPr>
+          <a:xfrm>
+            <a:off x="823163" y="3047150"/>
+            <a:ext cx="761700" cy="247200"/>
+          </a:xfrm>
+          <a:prstGeom prst="rect">
+            <a:avLst/>
+          </a:prstGeom>
+          <a:noFill/>
+          <a:ln>
+            <a:noFill/>
+          </a:ln>
+        </p:spPr>
+        <p:txBody>
+          <a:bodyPr anchorCtr="0" anchor="ctr" bIns="91425" lIns="91425" spcFirstLastPara="1" rIns="91425" wrap="square" tIns="91425">
+            <a:noAutofit/>
+          </a:bodyPr>
+          <a:lstStyle/>
+          <a:p>
+            <a:pPr indent="0" lvl="0" marL="0" rtl="0" algn="ctr">
+              <a:spcBef>
+                <a:spcPts val="0"/>
+              </a:spcBef>
+              <a:spcAft>
+                <a:spcPts val="0"/>
+              </a:spcAft>
+              <a:buNone/>
+            </a:pPr>
+            <a:r>
+              <a:rPr lang="ja" sz="600"/>
+              <a:t>キャッシュ確認</a:t>
+            </a:r>
+            <a:endParaRPr sz="600"/>
+          </a:p>
+        </p:txBody>
+      </p:sp>
+      <p:sp>
+        <p:nvSpPr>
+          <p:cNvPr id="117" name="Google Shape;117;p15"/>
+          <p:cNvSpPr/>
+          <p:nvPr/>
+        </p:nvSpPr>
+        <p:spPr>
+          <a:xfrm>
+            <a:off x="739163" y="3917575"/>
+            <a:ext cx="929700" cy="332100"/>
+          </a:xfrm>
+          <a:prstGeom prst="roundRect">
+            <a:avLst>
+              <a:gd fmla="val 16667" name="adj"/>
+            </a:avLst>
+          </a:prstGeom>
+          <a:solidFill>
+            <a:schemeClr val="lt2"/>
+          </a:solidFill>
+          <a:ln cap="flat" cmpd="sng" w="9525">
+            <a:solidFill>
+              <a:schemeClr val="dk2"/>
+            </a:solidFill>
+            <a:prstDash val="solid"/>
+            <a:round/>
+            <a:headEnd len="sm" w="sm" type="none"/>
+            <a:tailEnd len="sm" w="sm" type="none"/>
+          </a:ln>
+        </p:spPr>
+        <p:txBody>
+          <a:bodyPr anchorCtr="0" anchor="ctr" bIns="91425" lIns="91425" spcFirstLastPara="1" rIns="91425" wrap="square" tIns="91425">
+            <a:noAutofit/>
+          </a:bodyPr>
+          <a:lstStyle/>
+          <a:p>
+            <a:pPr indent="0" lvl="0" marL="0" rtl="0" algn="ctr">
+              <a:spcBef>
+                <a:spcPts val="0"/>
+              </a:spcBef>
+              <a:spcAft>
+                <a:spcPts val="0"/>
+              </a:spcAft>
+              <a:buNone/>
+            </a:pPr>
+            <a:r>
+              <a:rPr lang="ja" sz="800"/>
+              <a:t>キャッシュから</a:t>
+            </a:r>
+            <a:br>
+              <a:rPr lang="ja" sz="800"/>
+            </a:br>
+            <a:r>
+              <a:rPr lang="ja" sz="800"/>
+              <a:t>結果を取得</a:t>
+            </a:r>
+            <a:endParaRPr sz="800"/>
+          </a:p>
+        </p:txBody>
+      </p:sp>
+      <p:sp>
+        <p:nvSpPr>
+          <p:cNvPr id="118" name="Google Shape;118;p15"/>
+          <p:cNvSpPr/>
+          <p:nvPr/>
+        </p:nvSpPr>
+        <p:spPr>
+          <a:xfrm>
+            <a:off x="1128125" y="4625675"/>
+            <a:ext cx="151800" cy="151800"/>
+          </a:xfrm>
+          <a:prstGeom prst="flowChartConnector">
+            <a:avLst/>
+          </a:prstGeom>
+          <a:solidFill>
+            <a:srgbClr val="000000"/>
+          </a:solidFill>
+          <a:ln cap="flat" cmpd="sng" w="9525">
+            <a:solidFill>
+              <a:schemeClr val="dk2"/>
+            </a:solidFill>
+            <a:prstDash val="solid"/>
+            <a:round/>
+            <a:headEnd len="sm" w="sm" type="none"/>
+            <a:tailEnd len="sm" w="sm" type="none"/>
+          </a:ln>
+        </p:spPr>
+        <p:txBody>
+          <a:bodyPr anchorCtr="0" anchor="ctr" bIns="91425" lIns="91425" spcFirstLastPara="1" rIns="91425" wrap="square" tIns="91425">
+            <a:noAutofit/>
+          </a:bodyPr>
+          <a:lstStyle/>
+          <a:p>
+            <a:pPr indent="0" lvl="0" marL="0" rtl="0" algn="l">
+              <a:spcBef>
+                <a:spcPts val="0"/>
+              </a:spcBef>
+              <a:spcAft>
+                <a:spcPts val="0"/>
+              </a:spcAft>
+              <a:buNone/>
+            </a:pPr>
+            <a:r>
+              <a:t/>
+            </a:r>
+            <a:endParaRPr/>
+          </a:p>
+        </p:txBody>
+      </p:sp>
+      <p:sp>
+        <p:nvSpPr>
+          <p:cNvPr id="97" name="Google Shape;97;p15"/>
+          <p:cNvSpPr/>
+          <p:nvPr/>
+        </p:nvSpPr>
+        <p:spPr>
+          <a:xfrm>
+            <a:off x="1085525" y="4578275"/>
+            <a:ext cx="237000" cy="246600"/>
+          </a:xfrm>
+          <a:prstGeom prst="ellipse">
+            <a:avLst/>
+          </a:prstGeom>
+          <a:noFill/>
+          <a:ln cap="flat" cmpd="sng" w="9525">
+            <a:solidFill>
+              <a:schemeClr val="dk2"/>
+            </a:solidFill>
+            <a:prstDash val="solid"/>
+            <a:round/>
+            <a:headEnd len="sm" w="sm" type="none"/>
+            <a:tailEnd len="sm" w="sm" type="none"/>
+          </a:ln>
+        </p:spPr>
+        <p:txBody>
+          <a:bodyPr anchorCtr="0" anchor="ctr" bIns="91425" lIns="91425" spcFirstLastPara="1" rIns="91425" wrap="square" tIns="91425">
+            <a:noAutofit/>
+          </a:bodyPr>
+          <a:lstStyle/>
+          <a:p>
+            <a:pPr indent="0" lvl="0" marL="0" rtl="0" algn="l">
+              <a:spcBef>
+                <a:spcPts val="0"/>
+              </a:spcBef>
+              <a:spcAft>
+                <a:spcPts val="0"/>
+              </a:spcAft>
+              <a:buNone/>
+            </a:pPr>
+            <a:r>
+              <a:t/>
+            </a:r>
+            <a:endParaRPr/>
+          </a:p>
+        </p:txBody>
+      </p:sp>
+      <p:sp>
+        <p:nvSpPr>
+          <p:cNvPr id="119" name="Google Shape;119;p15"/>
+          <p:cNvSpPr/>
+          <p:nvPr/>
+        </p:nvSpPr>
+        <p:spPr>
+          <a:xfrm>
+            <a:off x="1203713" y="3727250"/>
+            <a:ext cx="761700" cy="247200"/>
+          </a:xfrm>
+          <a:prstGeom prst="rect">
+            <a:avLst/>
+          </a:prstGeom>
+          <a:noFill/>
+          <a:ln>
+            <a:noFill/>
+          </a:ln>
+        </p:spPr>
+        <p:txBody>
+          <a:bodyPr anchorCtr="0" anchor="ctr" bIns="91425" lIns="91425" spcFirstLastPara="1" rIns="91425" wrap="square" tIns="91425">
+            <a:noAutofit/>
+          </a:bodyPr>
+          <a:lstStyle/>
+          <a:p>
+            <a:pPr indent="0" lvl="0" marL="0" rtl="0" algn="l">
+              <a:spcBef>
+                <a:spcPts val="0"/>
+              </a:spcBef>
+              <a:spcAft>
+                <a:spcPts val="0"/>
+              </a:spcAft>
+              <a:buNone/>
+            </a:pPr>
+            <a:r>
+              <a:rPr lang="ja" sz="600"/>
+              <a:t>見つかった</a:t>
+            </a:r>
+            <a:endParaRPr sz="600"/>
+          </a:p>
+        </p:txBody>
+      </p:sp>
+      <p:sp>
+        <p:nvSpPr>
+          <p:cNvPr id="120" name="Google Shape;120;p15"/>
+          <p:cNvSpPr/>
+          <p:nvPr/>
+        </p:nvSpPr>
+        <p:spPr>
+          <a:xfrm>
+            <a:off x="1379488" y="3273113"/>
+            <a:ext cx="761700" cy="247200"/>
+          </a:xfrm>
+          <a:prstGeom prst="rect">
+            <a:avLst/>
+          </a:prstGeom>
+          <a:noFill/>
+          <a:ln>
+            <a:noFill/>
+          </a:ln>
+        </p:spPr>
+        <p:txBody>
+          <a:bodyPr anchorCtr="0" anchor="ctr" bIns="91425" lIns="91425" spcFirstLastPara="1" rIns="91425" wrap="square" tIns="91425">
+            <a:noAutofit/>
+          </a:bodyPr>
+          <a:lstStyle/>
+          <a:p>
+            <a:pPr indent="0" lvl="0" marL="0" rtl="0" algn="l">
+              <a:spcBef>
+                <a:spcPts val="0"/>
+              </a:spcBef>
+              <a:spcAft>
+                <a:spcPts val="0"/>
+              </a:spcAft>
+              <a:buNone/>
+            </a:pPr>
+            <a:r>
+              <a:rPr lang="ja" sz="600"/>
+              <a:t>見つか</a:t>
+            </a:r>
+            <a:r>
+              <a:rPr lang="ja" sz="600"/>
+              <a:t>らない</a:t>
+            </a:r>
+            <a:endParaRPr sz="600"/>
+          </a:p>
+        </p:txBody>
+      </p:sp>
+    </p:spTree>
+  </p:cSld>
+  <p:clrMapOvr>
+    <a:masterClrMapping/>
+  </p:clrMapOvr>
+</p:sld>
+</file>
+
 <file path=ppt/theme/theme1.xml><?xml version="1.0" encoding="utf-8"?>
 <a:theme xmlns:a="http://schemas.openxmlformats.org/drawingml/2006/main" xmlns:r="http://schemas.openxmlformats.org/officeDocument/2006/relationships" name="Simple Light">
   <a:themeElements>
